--- a/docs/diagrams/ModelComponentClassDiagram.pptx
+++ b/docs/diagrams/ModelComponentClassDiagram.pptx
@@ -208,7 +208,7 @@
           <a:p>
             <a:fld id="{F5CC4B3F-88C1-4FFA-B1B6-F41C21DC6924}" type="datetimeFigureOut">
               <a:rPr lang="en-US" smtClean="0"/>
-              <a:t>4/5/2018</a:t>
+              <a:t>12-Apr-18</a:t>
             </a:fld>
             <a:endParaRPr lang="en-US"/>
           </a:p>
@@ -654,7 +654,7 @@
           <a:p>
             <a:fld id="{78C97017-6FC3-485B-9764-EAC9E56C1D49}" type="datetimeFigureOut">
               <a:rPr lang="en-US" smtClean="0"/>
-              <a:t>4/5/2018</a:t>
+              <a:t>12-Apr-18</a:t>
             </a:fld>
             <a:endParaRPr lang="en-US"/>
           </a:p>
@@ -822,7 +822,7 @@
           <a:p>
             <a:fld id="{78C97017-6FC3-485B-9764-EAC9E56C1D49}" type="datetimeFigureOut">
               <a:rPr lang="en-US" smtClean="0"/>
-              <a:t>4/5/2018</a:t>
+              <a:t>12-Apr-18</a:t>
             </a:fld>
             <a:endParaRPr lang="en-US"/>
           </a:p>
@@ -1000,7 +1000,7 @@
           <a:p>
             <a:fld id="{78C97017-6FC3-485B-9764-EAC9E56C1D49}" type="datetimeFigureOut">
               <a:rPr lang="en-US" smtClean="0"/>
-              <a:t>4/5/2018</a:t>
+              <a:t>12-Apr-18</a:t>
             </a:fld>
             <a:endParaRPr lang="en-US"/>
           </a:p>
@@ -1168,7 +1168,7 @@
           <a:p>
             <a:fld id="{78C97017-6FC3-485B-9764-EAC9E56C1D49}" type="datetimeFigureOut">
               <a:rPr lang="en-US" smtClean="0"/>
-              <a:t>4/5/2018</a:t>
+              <a:t>12-Apr-18</a:t>
             </a:fld>
             <a:endParaRPr lang="en-US"/>
           </a:p>
@@ -1413,7 +1413,7 @@
           <a:p>
             <a:fld id="{78C97017-6FC3-485B-9764-EAC9E56C1D49}" type="datetimeFigureOut">
               <a:rPr lang="en-US" smtClean="0"/>
-              <a:t>4/5/2018</a:t>
+              <a:t>12-Apr-18</a:t>
             </a:fld>
             <a:endParaRPr lang="en-US"/>
           </a:p>
@@ -1698,7 +1698,7 @@
           <a:p>
             <a:fld id="{78C97017-6FC3-485B-9764-EAC9E56C1D49}" type="datetimeFigureOut">
               <a:rPr lang="en-US" smtClean="0"/>
-              <a:t>4/5/2018</a:t>
+              <a:t>12-Apr-18</a:t>
             </a:fld>
             <a:endParaRPr lang="en-US"/>
           </a:p>
@@ -2117,7 +2117,7 @@
           <a:p>
             <a:fld id="{78C97017-6FC3-485B-9764-EAC9E56C1D49}" type="datetimeFigureOut">
               <a:rPr lang="en-US" smtClean="0"/>
-              <a:t>4/5/2018</a:t>
+              <a:t>12-Apr-18</a:t>
             </a:fld>
             <a:endParaRPr lang="en-US"/>
           </a:p>
@@ -2234,7 +2234,7 @@
           <a:p>
             <a:fld id="{78C97017-6FC3-485B-9764-EAC9E56C1D49}" type="datetimeFigureOut">
               <a:rPr lang="en-US" smtClean="0"/>
-              <a:t>4/5/2018</a:t>
+              <a:t>12-Apr-18</a:t>
             </a:fld>
             <a:endParaRPr lang="en-US"/>
           </a:p>
@@ -2329,7 +2329,7 @@
           <a:p>
             <a:fld id="{78C97017-6FC3-485B-9764-EAC9E56C1D49}" type="datetimeFigureOut">
               <a:rPr lang="en-US" smtClean="0"/>
-              <a:t>4/5/2018</a:t>
+              <a:t>12-Apr-18</a:t>
             </a:fld>
             <a:endParaRPr lang="en-US"/>
           </a:p>
@@ -2604,7 +2604,7 @@
           <a:p>
             <a:fld id="{78C97017-6FC3-485B-9764-EAC9E56C1D49}" type="datetimeFigureOut">
               <a:rPr lang="en-US" smtClean="0"/>
-              <a:t>4/5/2018</a:t>
+              <a:t>12-Apr-18</a:t>
             </a:fld>
             <a:endParaRPr lang="en-US"/>
           </a:p>
@@ -2856,7 +2856,7 @@
           <a:p>
             <a:fld id="{78C97017-6FC3-485B-9764-EAC9E56C1D49}" type="datetimeFigureOut">
               <a:rPr lang="en-US" smtClean="0"/>
-              <a:t>4/5/2018</a:t>
+              <a:t>12-Apr-18</a:t>
             </a:fld>
             <a:endParaRPr lang="en-US"/>
           </a:p>
@@ -3067,7 +3067,7 @@
           <a:p>
             <a:fld id="{78C97017-6FC3-485B-9764-EAC9E56C1D49}" type="datetimeFigureOut">
               <a:rPr lang="en-US" smtClean="0"/>
-              <a:t>4/5/2018</a:t>
+              <a:t>12-Apr-18</a:t>
             </a:fld>
             <a:endParaRPr lang="en-US"/>
           </a:p>
@@ -6135,11 +6135,11 @@
         <p:spPr>
           <a:xfrm rot="10800000">
             <a:off x="5810116" y="3491989"/>
-            <a:ext cx="2164554" cy="472907"/>
+            <a:ext cx="1650152" cy="1"/>
           </a:xfrm>
           <a:prstGeom prst="bentConnector3">
             <a:avLst>
-              <a:gd name="adj1" fmla="val 36388"/>
+              <a:gd name="adj1" fmla="val 50000"/>
             </a:avLst>
           </a:prstGeom>
           <a:ln w="19050">
@@ -6276,68 +6276,6 @@
           </a:p>
         </p:txBody>
       </p:sp>
-      <p:sp>
-        <p:nvSpPr>
-          <p:cNvPr id="109" name="Rectangle 8">
-            <a:extLst>
-              <a:ext uri="{FF2B5EF4-FFF2-40B4-BE49-F238E27FC236}">
-                <a16:creationId xmlns:a16="http://schemas.microsoft.com/office/drawing/2014/main" id="{43A795F5-FFD0-4222-9114-145355FDE7AD}"/>
-              </a:ext>
-            </a:extLst>
-          </p:cNvPr>
-          <p:cNvSpPr/>
-          <p:nvPr/>
-        </p:nvSpPr>
-        <p:spPr>
-          <a:xfrm>
-            <a:off x="6443612" y="4124921"/>
-            <a:ext cx="1332788" cy="346760"/>
-          </a:xfrm>
-          <a:prstGeom prst="rect">
-            <a:avLst/>
-          </a:prstGeom>
-          <a:ln w="19050">
-            <a:solidFill>
-              <a:srgbClr val="7030A0"/>
-            </a:solidFill>
-          </a:ln>
-          <a:effectLst/>
-        </p:spPr>
-        <p:style>
-          <a:lnRef idx="1">
-            <a:schemeClr val="accent4"/>
-          </a:lnRef>
-          <a:fillRef idx="2">
-            <a:schemeClr val="accent4"/>
-          </a:fillRef>
-          <a:effectRef idx="1">
-            <a:schemeClr val="accent4"/>
-          </a:effectRef>
-          <a:fontRef idx="minor">
-            <a:schemeClr val="dk1"/>
-          </a:fontRef>
-        </p:style>
-        <p:txBody>
-          <a:bodyPr rtlCol="0" anchor="ctr"/>
-          <a:lstStyle/>
-          <a:p>
-            <a:pPr algn="ctr"/>
-            <a:r>
-              <a:rPr lang="en-US" sz="1050" dirty="0" err="1">
-                <a:solidFill>
-                  <a:srgbClr val="7030A0"/>
-                </a:solidFill>
-              </a:rPr>
-              <a:t>UniqueCrimeCaseList</a:t>
-            </a:r>
-            <a:endParaRPr lang="en-SG" sz="1050" dirty="0">
-              <a:solidFill>
-                <a:srgbClr val="7030A0"/>
-              </a:solidFill>
-            </a:endParaRPr>
-          </a:p>
-        </p:txBody>
-      </p:sp>
       <p:cxnSp>
         <p:nvCxnSpPr>
           <p:cNvPr id="113" name="Elbow Connector 106">
@@ -6541,12 +6479,61 @@
           </a:p>
         </p:txBody>
       </p:sp>
-      <p:sp>
-        <p:nvSpPr>
-          <p:cNvPr id="126" name="Flowchart: Decision 96">
+      <p:cxnSp>
+        <p:nvCxnSpPr>
+          <p:cNvPr id="127" name="Elbow Connector 68">
             <a:extLst>
               <a:ext uri="{FF2B5EF4-FFF2-40B4-BE49-F238E27FC236}">
-                <a16:creationId xmlns:a16="http://schemas.microsoft.com/office/drawing/2014/main" id="{7DFA42AF-8A31-40A2-AD7A-28AFAF4D4520}"/>
+                <a16:creationId xmlns:a16="http://schemas.microsoft.com/office/drawing/2014/main" id="{A574F277-8A67-4FD5-970F-FDDA5B057671}"/>
+              </a:ext>
+            </a:extLst>
+          </p:cNvPr>
+          <p:cNvCxnSpPr>
+            <a:cxnSpLocks/>
+            <a:endCxn id="125" idx="0"/>
+          </p:cNvCxnSpPr>
+          <p:nvPr/>
+        </p:nvCxnSpPr>
+        <p:spPr>
+          <a:xfrm rot="5400000">
+            <a:off x="5013872" y="3914263"/>
+            <a:ext cx="330415" cy="320040"/>
+          </a:xfrm>
+          <a:prstGeom prst="bentConnector3">
+            <a:avLst>
+              <a:gd name="adj1" fmla="val 50000"/>
+            </a:avLst>
+          </a:prstGeom>
+          <a:ln w="19050">
+            <a:solidFill>
+              <a:srgbClr val="7030A0"/>
+            </a:solidFill>
+            <a:headEnd type="none" w="med" len="med"/>
+            <a:tailEnd type="arrow" w="med" len="med"/>
+          </a:ln>
+          <a:effectLst/>
+        </p:spPr>
+        <p:style>
+          <a:lnRef idx="1">
+            <a:schemeClr val="accent2"/>
+          </a:lnRef>
+          <a:fillRef idx="2">
+            <a:schemeClr val="accent2"/>
+          </a:fillRef>
+          <a:effectRef idx="1">
+            <a:schemeClr val="accent2"/>
+          </a:effectRef>
+          <a:fontRef idx="minor">
+            <a:schemeClr val="dk1"/>
+          </a:fontRef>
+        </p:style>
+      </p:cxnSp>
+      <p:sp>
+        <p:nvSpPr>
+          <p:cNvPr id="73" name="Flowchart: Decision 96">
+            <a:extLst>
+              <a:ext uri="{FF2B5EF4-FFF2-40B4-BE49-F238E27FC236}">
+                <a16:creationId xmlns:a16="http://schemas.microsoft.com/office/drawing/2014/main" id="{793148DC-91F0-4465-8BAF-590FC55ABD5B}"/>
               </a:ext>
             </a:extLst>
           </p:cNvPr>
@@ -6554,8 +6541,8 @@
           <p:nvPr/>
         </p:nvSpPr>
         <p:spPr>
-          <a:xfrm rot="16200000">
-            <a:off x="5221075" y="3704362"/>
+          <a:xfrm rot="5400000">
+            <a:off x="5218081" y="3696701"/>
             <a:ext cx="236048" cy="173380"/>
           </a:xfrm>
           <a:prstGeom prst="flowChartDecision">
@@ -6592,56 +6579,6 @@
           </a:p>
         </p:txBody>
       </p:sp>
-      <p:cxnSp>
-        <p:nvCxnSpPr>
-          <p:cNvPr id="127" name="Elbow Connector 68">
-            <a:extLst>
-              <a:ext uri="{FF2B5EF4-FFF2-40B4-BE49-F238E27FC236}">
-                <a16:creationId xmlns:a16="http://schemas.microsoft.com/office/drawing/2014/main" id="{A574F277-8A67-4FD5-970F-FDDA5B057671}"/>
-              </a:ext>
-            </a:extLst>
-          </p:cNvPr>
-          <p:cNvCxnSpPr>
-            <a:cxnSpLocks/>
-            <a:stCxn id="126" idx="1"/>
-            <a:endCxn id="125" idx="0"/>
-          </p:cNvCxnSpPr>
-          <p:nvPr/>
-        </p:nvCxnSpPr>
-        <p:spPr>
-          <a:xfrm rot="5400000">
-            <a:off x="5013872" y="3914263"/>
-            <a:ext cx="330415" cy="320040"/>
-          </a:xfrm>
-          <a:prstGeom prst="bentConnector3">
-            <a:avLst>
-              <a:gd name="adj1" fmla="val 50000"/>
-            </a:avLst>
-          </a:prstGeom>
-          <a:ln w="19050">
-            <a:solidFill>
-              <a:srgbClr val="7030A0"/>
-            </a:solidFill>
-            <a:headEnd type="none" w="med" len="med"/>
-            <a:tailEnd type="arrow" w="med" len="med"/>
-          </a:ln>
-          <a:effectLst/>
-        </p:spPr>
-        <p:style>
-          <a:lnRef idx="1">
-            <a:schemeClr val="accent2"/>
-          </a:lnRef>
-          <a:fillRef idx="2">
-            <a:schemeClr val="accent2"/>
-          </a:fillRef>
-          <a:effectRef idx="1">
-            <a:schemeClr val="accent2"/>
-          </a:effectRef>
-          <a:fontRef idx="minor">
-            <a:schemeClr val="dk1"/>
-          </a:fontRef>
-        </p:style>
-      </p:cxnSp>
     </p:spTree>
     <p:extLst>
       <p:ext uri="{BB962C8B-B14F-4D97-AF65-F5344CB8AC3E}">

--- a/docs/diagrams/ModelComponentClassDiagram.pptx
+++ b/docs/diagrams/ModelComponentClassDiagram.pptx
@@ -126,6 +126,10 @@
 </p:presentation>
 </file>
 
+<file path=ppt/revisionInfo.xml><?xml version="1.0" encoding="utf-8"?>
+<p1510:revInfo xmlns:a="http://schemas.openxmlformats.org/drawingml/2006/main" xmlns:r="http://schemas.openxmlformats.org/officeDocument/2006/relationships" xmlns:p1510="http://schemas.microsoft.com/office/powerpoint/2015/10/main"/>
+</file>
+
 <file path=ppt/notesMasters/notesMaster1.xml><?xml version="1.0" encoding="utf-8"?>
 <p:notesMaster xmlns:a="http://schemas.openxmlformats.org/drawingml/2006/main" xmlns:r="http://schemas.openxmlformats.org/officeDocument/2006/relationships" xmlns:p="http://schemas.openxmlformats.org/presentationml/2006/main">
   <p:cSld>
@@ -208,7 +212,7 @@
           <a:p>
             <a:fld id="{F5CC4B3F-88C1-4FFA-B1B6-F41C21DC6924}" type="datetimeFigureOut">
               <a:rPr lang="en-US" smtClean="0"/>
-              <a:t>12-Apr-18</a:t>
+              <a:t>4/15/2018</a:t>
             </a:fld>
             <a:endParaRPr lang="en-US"/>
           </a:p>
@@ -654,7 +658,7 @@
           <a:p>
             <a:fld id="{78C97017-6FC3-485B-9764-EAC9E56C1D49}" type="datetimeFigureOut">
               <a:rPr lang="en-US" smtClean="0"/>
-              <a:t>12-Apr-18</a:t>
+              <a:t>4/15/2018</a:t>
             </a:fld>
             <a:endParaRPr lang="en-US"/>
           </a:p>
@@ -822,7 +826,7 @@
           <a:p>
             <a:fld id="{78C97017-6FC3-485B-9764-EAC9E56C1D49}" type="datetimeFigureOut">
               <a:rPr lang="en-US" smtClean="0"/>
-              <a:t>12-Apr-18</a:t>
+              <a:t>4/15/2018</a:t>
             </a:fld>
             <a:endParaRPr lang="en-US"/>
           </a:p>
@@ -1000,7 +1004,7 @@
           <a:p>
             <a:fld id="{78C97017-6FC3-485B-9764-EAC9E56C1D49}" type="datetimeFigureOut">
               <a:rPr lang="en-US" smtClean="0"/>
-              <a:t>12-Apr-18</a:t>
+              <a:t>4/15/2018</a:t>
             </a:fld>
             <a:endParaRPr lang="en-US"/>
           </a:p>
@@ -1168,7 +1172,7 @@
           <a:p>
             <a:fld id="{78C97017-6FC3-485B-9764-EAC9E56C1D49}" type="datetimeFigureOut">
               <a:rPr lang="en-US" smtClean="0"/>
-              <a:t>12-Apr-18</a:t>
+              <a:t>4/15/2018</a:t>
             </a:fld>
             <a:endParaRPr lang="en-US"/>
           </a:p>
@@ -1413,7 +1417,7 @@
           <a:p>
             <a:fld id="{78C97017-6FC3-485B-9764-EAC9E56C1D49}" type="datetimeFigureOut">
               <a:rPr lang="en-US" smtClean="0"/>
-              <a:t>12-Apr-18</a:t>
+              <a:t>4/15/2018</a:t>
             </a:fld>
             <a:endParaRPr lang="en-US"/>
           </a:p>
@@ -1698,7 +1702,7 @@
           <a:p>
             <a:fld id="{78C97017-6FC3-485B-9764-EAC9E56C1D49}" type="datetimeFigureOut">
               <a:rPr lang="en-US" smtClean="0"/>
-              <a:t>12-Apr-18</a:t>
+              <a:t>4/15/2018</a:t>
             </a:fld>
             <a:endParaRPr lang="en-US"/>
           </a:p>
@@ -2117,7 +2121,7 @@
           <a:p>
             <a:fld id="{78C97017-6FC3-485B-9764-EAC9E56C1D49}" type="datetimeFigureOut">
               <a:rPr lang="en-US" smtClean="0"/>
-              <a:t>12-Apr-18</a:t>
+              <a:t>4/15/2018</a:t>
             </a:fld>
             <a:endParaRPr lang="en-US"/>
           </a:p>
@@ -2234,7 +2238,7 @@
           <a:p>
             <a:fld id="{78C97017-6FC3-485B-9764-EAC9E56C1D49}" type="datetimeFigureOut">
               <a:rPr lang="en-US" smtClean="0"/>
-              <a:t>12-Apr-18</a:t>
+              <a:t>4/15/2018</a:t>
             </a:fld>
             <a:endParaRPr lang="en-US"/>
           </a:p>
@@ -2329,7 +2333,7 @@
           <a:p>
             <a:fld id="{78C97017-6FC3-485B-9764-EAC9E56C1D49}" type="datetimeFigureOut">
               <a:rPr lang="en-US" smtClean="0"/>
-              <a:t>12-Apr-18</a:t>
+              <a:t>4/15/2018</a:t>
             </a:fld>
             <a:endParaRPr lang="en-US"/>
           </a:p>
@@ -2604,7 +2608,7 @@
           <a:p>
             <a:fld id="{78C97017-6FC3-485B-9764-EAC9E56C1D49}" type="datetimeFigureOut">
               <a:rPr lang="en-US" smtClean="0"/>
-              <a:t>12-Apr-18</a:t>
+              <a:t>4/15/2018</a:t>
             </a:fld>
             <a:endParaRPr lang="en-US"/>
           </a:p>
@@ -2856,7 +2860,7 @@
           <a:p>
             <a:fld id="{78C97017-6FC3-485B-9764-EAC9E56C1D49}" type="datetimeFigureOut">
               <a:rPr lang="en-US" smtClean="0"/>
-              <a:t>12-Apr-18</a:t>
+              <a:t>4/15/2018</a:t>
             </a:fld>
             <a:endParaRPr lang="en-US"/>
           </a:p>
@@ -3067,7 +3071,7 @@
           <a:p>
             <a:fld id="{78C97017-6FC3-485B-9764-EAC9E56C1D49}" type="datetimeFigureOut">
               <a:rPr lang="en-US" smtClean="0"/>
-              <a:t>12-Apr-18</a:t>
+              <a:t>4/15/2018</a:t>
             </a:fld>
             <a:endParaRPr lang="en-US"/>
           </a:p>
@@ -3450,7 +3454,7 @@
         </p:nvSpPr>
         <p:spPr>
           <a:xfrm>
-            <a:off x="1119865" y="1727200"/>
+            <a:off x="1110326" y="1659840"/>
             <a:ext cx="7490735" cy="2997200"/>
           </a:xfrm>
           <a:prstGeom prst="roundRect">
@@ -3511,8 +3515,8 @@
         </p:nvSpPr>
         <p:spPr>
           <a:xfrm>
-            <a:off x="2877180" y="3158440"/>
-            <a:ext cx="1093635" cy="346760"/>
+            <a:off x="2888129" y="2987171"/>
+            <a:ext cx="1093635" cy="238889"/>
           </a:xfrm>
           <a:prstGeom prst="rect">
             <a:avLst/>
@@ -3786,15 +3790,16 @@
         <p:nvCxnSpPr>
           <p:cNvPr id="58" name="Straight Arrow Connector 57"/>
           <p:cNvCxnSpPr>
+            <a:cxnSpLocks/>
             <a:stCxn id="42" idx="3"/>
             <a:endCxn id="2" idx="1"/>
           </p:cNvCxnSpPr>
           <p:nvPr/>
         </p:nvCxnSpPr>
         <p:spPr>
-          <a:xfrm>
-            <a:off x="2656370" y="3326536"/>
-            <a:ext cx="220810" cy="5284"/>
+          <a:xfrm flipV="1">
+            <a:off x="2634342" y="3106616"/>
+            <a:ext cx="253787" cy="11520"/>
           </a:xfrm>
           <a:prstGeom prst="straightConnector1">
             <a:avLst/>
@@ -3915,7 +3920,7 @@
         </p:nvSpPr>
         <p:spPr>
           <a:xfrm>
-            <a:off x="2420322" y="3239846"/>
+            <a:off x="2398294" y="3031446"/>
             <a:ext cx="236048" cy="173380"/>
           </a:xfrm>
           <a:prstGeom prst="flowChartDecision">
@@ -3960,8 +3965,8 @@
         </p:nvSpPr>
         <p:spPr>
           <a:xfrm>
-            <a:off x="2879490" y="2627420"/>
-            <a:ext cx="1093635" cy="346760"/>
+            <a:off x="2894728" y="2648406"/>
+            <a:ext cx="1089574" cy="232473"/>
           </a:xfrm>
           <a:prstGeom prst="rect">
             <a:avLst/>
@@ -4012,15 +4017,16 @@
         <p:nvCxnSpPr>
           <p:cNvPr id="47" name="Straight Arrow Connector 46"/>
           <p:cNvCxnSpPr>
+            <a:cxnSpLocks/>
             <a:stCxn id="48" idx="3"/>
             <a:endCxn id="46" idx="1"/>
           </p:cNvCxnSpPr>
           <p:nvPr/>
         </p:nvCxnSpPr>
         <p:spPr>
-          <a:xfrm>
-            <a:off x="2658680" y="2795516"/>
-            <a:ext cx="220810" cy="5284"/>
+          <a:xfrm flipV="1">
+            <a:off x="2620982" y="2764643"/>
+            <a:ext cx="273746" cy="2171"/>
           </a:xfrm>
           <a:prstGeom prst="straightConnector1">
             <a:avLst/>
@@ -4057,8 +4063,8 @@
         </p:nvSpPr>
         <p:spPr>
           <a:xfrm>
-            <a:off x="2422632" y="2708826"/>
-            <a:ext cx="236048" cy="173380"/>
+            <a:off x="2384934" y="2678261"/>
+            <a:ext cx="236048" cy="177106"/>
           </a:xfrm>
           <a:prstGeom prst="flowChartDecision">
             <a:avLst/>
@@ -5662,7 +5668,7 @@
         </p:nvSpPr>
         <p:spPr>
           <a:xfrm>
-            <a:off x="2656370" y="3386050"/>
+            <a:off x="2666600" y="3153929"/>
             <a:ext cx="189257" cy="178683"/>
           </a:xfrm>
           <a:prstGeom prst="rect">
@@ -6576,6 +6582,214 @@
           <a:p>
             <a:pPr algn="ctr"/>
             <a:endParaRPr lang="en-US" sz="1050"/>
+          </a:p>
+        </p:txBody>
+      </p:sp>
+      <p:sp>
+        <p:nvSpPr>
+          <p:cNvPr id="98" name="Rectangle 8">
+            <a:extLst>
+              <a:ext uri="{FF2B5EF4-FFF2-40B4-BE49-F238E27FC236}">
+                <a16:creationId xmlns:a16="http://schemas.microsoft.com/office/drawing/2014/main" id="{5EC8C5A3-C0A7-41E8-87A3-93B9BFEC1257}"/>
+              </a:ext>
+            </a:extLst>
+          </p:cNvPr>
+          <p:cNvSpPr/>
+          <p:nvPr/>
+        </p:nvSpPr>
+        <p:spPr>
+          <a:xfrm>
+            <a:off x="2885304" y="3355364"/>
+            <a:ext cx="1093635" cy="238889"/>
+          </a:xfrm>
+          <a:prstGeom prst="rect">
+            <a:avLst/>
+          </a:prstGeom>
+          <a:solidFill>
+            <a:srgbClr val="7030A0"/>
+          </a:solidFill>
+          <a:ln w="19050">
+            <a:solidFill>
+              <a:srgbClr val="7030A0"/>
+            </a:solidFill>
+          </a:ln>
+          <a:effectLst/>
+        </p:spPr>
+        <p:style>
+          <a:lnRef idx="1">
+            <a:schemeClr val="accent2"/>
+          </a:lnRef>
+          <a:fillRef idx="2">
+            <a:schemeClr val="accent2"/>
+          </a:fillRef>
+          <a:effectRef idx="1">
+            <a:schemeClr val="accent2"/>
+          </a:effectRef>
+          <a:fontRef idx="minor">
+            <a:schemeClr val="dk1"/>
+          </a:fontRef>
+        </p:style>
+        <p:txBody>
+          <a:bodyPr rtlCol="0" anchor="ctr"/>
+          <a:lstStyle/>
+          <a:p>
+            <a:pPr algn="ctr"/>
+            <a:r>
+              <a:rPr lang="en-US" sz="1050" dirty="0">
+                <a:solidFill>
+                  <a:schemeClr val="bg1"/>
+                </a:solidFill>
+              </a:rPr>
+              <a:t>Password</a:t>
+            </a:r>
+            <a:endParaRPr lang="en-SG" sz="1050" dirty="0">
+              <a:solidFill>
+                <a:schemeClr val="bg1"/>
+              </a:solidFill>
+            </a:endParaRPr>
+          </a:p>
+        </p:txBody>
+      </p:sp>
+      <p:cxnSp>
+        <p:nvCxnSpPr>
+          <p:cNvPr id="102" name="Straight Arrow Connector 101">
+            <a:extLst>
+              <a:ext uri="{FF2B5EF4-FFF2-40B4-BE49-F238E27FC236}">
+                <a16:creationId xmlns:a16="http://schemas.microsoft.com/office/drawing/2014/main" id="{0A979481-6AD4-4033-AC30-3E212A04D273}"/>
+              </a:ext>
+            </a:extLst>
+          </p:cNvPr>
+          <p:cNvCxnSpPr>
+            <a:cxnSpLocks/>
+            <a:stCxn id="103" idx="3"/>
+          </p:cNvCxnSpPr>
+          <p:nvPr/>
+        </p:nvCxnSpPr>
+        <p:spPr>
+          <a:xfrm flipV="1">
+            <a:off x="2629457" y="3453386"/>
+            <a:ext cx="258672" cy="4552"/>
+          </a:xfrm>
+          <a:prstGeom prst="straightConnector1">
+            <a:avLst/>
+          </a:prstGeom>
+          <a:ln w="19050">
+            <a:solidFill>
+              <a:srgbClr val="7030A0"/>
+            </a:solidFill>
+            <a:headEnd type="none" w="med" len="med"/>
+            <a:tailEnd type="arrow" w="med" len="med"/>
+          </a:ln>
+          <a:effectLst/>
+        </p:spPr>
+        <p:style>
+          <a:lnRef idx="1">
+            <a:schemeClr val="accent2"/>
+          </a:lnRef>
+          <a:fillRef idx="2">
+            <a:schemeClr val="accent2"/>
+          </a:fillRef>
+          <a:effectRef idx="1">
+            <a:schemeClr val="accent2"/>
+          </a:effectRef>
+          <a:fontRef idx="minor">
+            <a:schemeClr val="dk1"/>
+          </a:fontRef>
+        </p:style>
+      </p:cxnSp>
+      <p:sp>
+        <p:nvSpPr>
+          <p:cNvPr id="103" name="Flowchart: Decision 96">
+            <a:extLst>
+              <a:ext uri="{FF2B5EF4-FFF2-40B4-BE49-F238E27FC236}">
+                <a16:creationId xmlns:a16="http://schemas.microsoft.com/office/drawing/2014/main" id="{26426127-BEF1-4313-B5D1-B3208DA3C4C7}"/>
+              </a:ext>
+            </a:extLst>
+          </p:cNvPr>
+          <p:cNvSpPr/>
+          <p:nvPr/>
+        </p:nvSpPr>
+        <p:spPr>
+          <a:xfrm>
+            <a:off x="2393409" y="3371248"/>
+            <a:ext cx="236048" cy="173380"/>
+          </a:xfrm>
+          <a:prstGeom prst="flowChartDecision">
+            <a:avLst/>
+          </a:prstGeom>
+          <a:noFill/>
+          <a:ln w="19050">
+            <a:solidFill>
+              <a:srgbClr val="7030A0"/>
+            </a:solidFill>
+          </a:ln>
+          <a:effectLst/>
+        </p:spPr>
+        <p:style>
+          <a:lnRef idx="1">
+            <a:schemeClr val="accent6"/>
+          </a:lnRef>
+          <a:fillRef idx="2">
+            <a:schemeClr val="accent6"/>
+          </a:fillRef>
+          <a:effectRef idx="1">
+            <a:schemeClr val="accent6"/>
+          </a:effectRef>
+          <a:fontRef idx="minor">
+            <a:schemeClr val="dk1"/>
+          </a:fontRef>
+        </p:style>
+        <p:txBody>
+          <a:bodyPr rtlCol="0" anchor="ctr"/>
+          <a:lstStyle/>
+          <a:p>
+            <a:pPr algn="ctr"/>
+            <a:endParaRPr lang="en-US" sz="1050"/>
+          </a:p>
+        </p:txBody>
+      </p:sp>
+      <p:sp>
+        <p:nvSpPr>
+          <p:cNvPr id="104" name="TextBox 103">
+            <a:extLst>
+              <a:ext uri="{FF2B5EF4-FFF2-40B4-BE49-F238E27FC236}">
+                <a16:creationId xmlns:a16="http://schemas.microsoft.com/office/drawing/2014/main" id="{E56B2272-13C7-4C3E-815D-A41478F4B80F}"/>
+              </a:ext>
+            </a:extLst>
+          </p:cNvPr>
+          <p:cNvSpPr txBox="1"/>
+          <p:nvPr/>
+        </p:nvSpPr>
+        <p:spPr>
+          <a:xfrm>
+            <a:off x="2661762" y="3479174"/>
+            <a:ext cx="189257" cy="178683"/>
+          </a:xfrm>
+          <a:prstGeom prst="rect">
+            <a:avLst/>
+          </a:prstGeom>
+          <a:noFill/>
+        </p:spPr>
+        <p:txBody>
+          <a:bodyPr wrap="square" lIns="0" tIns="0" rIns="0" bIns="0" rtlCol="0">
+            <a:noAutofit/>
+          </a:bodyPr>
+          <a:lstStyle/>
+          <a:p>
+            <a:pPr algn="ctr"/>
+            <a:r>
+              <a:rPr lang="en-US" sz="1100" dirty="0">
+                <a:solidFill>
+                  <a:srgbClr val="7030A0"/>
+                </a:solidFill>
+              </a:rPr>
+              <a:t>1</a:t>
+            </a:r>
+            <a:endParaRPr lang="en-SG" sz="1100" dirty="0">
+              <a:solidFill>
+                <a:srgbClr val="7030A0"/>
+              </a:solidFill>
+            </a:endParaRPr>
           </a:p>
         </p:txBody>
       </p:sp>
